--- a/res/Poster.pptx
+++ b/res/Poster.pptx
@@ -297,7 +297,7 @@
             <a:fld id="{741D9C44-1BC4-4DE7-B7E1-A86E89311796}" type="datetimeFigureOut">
               <a:rPr lang="de-DE" smtClean="0"/>
               <a:pPr/>
-              <a:t>02.07.2014</a:t>
+              <a:t>23.07.2014</a:t>
             </a:fld>
             <a:endParaRPr lang="de-DE"/>
           </a:p>
@@ -488,7 +488,7 @@
             <a:fld id="{741D9C44-1BC4-4DE7-B7E1-A86E89311796}" type="datetimeFigureOut">
               <a:rPr lang="de-DE" smtClean="0"/>
               <a:pPr/>
-              <a:t>02.07.2014</a:t>
+              <a:t>23.07.2014</a:t>
             </a:fld>
             <a:endParaRPr lang="de-DE"/>
           </a:p>
@@ -689,7 +689,7 @@
             <a:fld id="{741D9C44-1BC4-4DE7-B7E1-A86E89311796}" type="datetimeFigureOut">
               <a:rPr lang="de-DE" smtClean="0"/>
               <a:pPr/>
-              <a:t>02.07.2014</a:t>
+              <a:t>23.07.2014</a:t>
             </a:fld>
             <a:endParaRPr lang="de-DE"/>
           </a:p>
@@ -880,7 +880,7 @@
             <a:fld id="{741D9C44-1BC4-4DE7-B7E1-A86E89311796}" type="datetimeFigureOut">
               <a:rPr lang="de-DE" smtClean="0"/>
               <a:pPr/>
-              <a:t>02.07.2014</a:t>
+              <a:t>23.07.2014</a:t>
             </a:fld>
             <a:endParaRPr lang="de-DE"/>
           </a:p>
@@ -1147,7 +1147,7 @@
             <a:fld id="{741D9C44-1BC4-4DE7-B7E1-A86E89311796}" type="datetimeFigureOut">
               <a:rPr lang="de-DE" smtClean="0"/>
               <a:pPr/>
-              <a:t>02.07.2014</a:t>
+              <a:t>23.07.2014</a:t>
             </a:fld>
             <a:endParaRPr lang="de-DE"/>
           </a:p>
@@ -1456,7 +1456,7 @@
             <a:fld id="{741D9C44-1BC4-4DE7-B7E1-A86E89311796}" type="datetimeFigureOut">
               <a:rPr lang="de-DE" smtClean="0"/>
               <a:pPr/>
-              <a:t>02.07.2014</a:t>
+              <a:t>23.07.2014</a:t>
             </a:fld>
             <a:endParaRPr lang="de-DE"/>
           </a:p>
@@ -1904,7 +1904,7 @@
             <a:fld id="{741D9C44-1BC4-4DE7-B7E1-A86E89311796}" type="datetimeFigureOut">
               <a:rPr lang="de-DE" smtClean="0"/>
               <a:pPr/>
-              <a:t>02.07.2014</a:t>
+              <a:t>23.07.2014</a:t>
             </a:fld>
             <a:endParaRPr lang="de-DE"/>
           </a:p>
@@ -2043,7 +2043,7 @@
             <a:fld id="{741D9C44-1BC4-4DE7-B7E1-A86E89311796}" type="datetimeFigureOut">
               <a:rPr lang="de-DE" smtClean="0"/>
               <a:pPr/>
-              <a:t>02.07.2014</a:t>
+              <a:t>23.07.2014</a:t>
             </a:fld>
             <a:endParaRPr lang="de-DE"/>
           </a:p>
@@ -2159,7 +2159,7 @@
             <a:fld id="{741D9C44-1BC4-4DE7-B7E1-A86E89311796}" type="datetimeFigureOut">
               <a:rPr lang="de-DE" smtClean="0"/>
               <a:pPr/>
-              <a:t>02.07.2014</a:t>
+              <a:t>23.07.2014</a:t>
             </a:fld>
             <a:endParaRPr lang="de-DE"/>
           </a:p>
@@ -2457,7 +2457,7 @@
             <a:fld id="{741D9C44-1BC4-4DE7-B7E1-A86E89311796}" type="datetimeFigureOut">
               <a:rPr lang="de-DE" smtClean="0"/>
               <a:pPr/>
-              <a:t>02.07.2014</a:t>
+              <a:t>23.07.2014</a:t>
             </a:fld>
             <a:endParaRPr lang="de-DE"/>
           </a:p>
@@ -2731,7 +2731,7 @@
             <a:fld id="{741D9C44-1BC4-4DE7-B7E1-A86E89311796}" type="datetimeFigureOut">
               <a:rPr lang="de-DE" smtClean="0"/>
               <a:pPr/>
-              <a:t>02.07.2014</a:t>
+              <a:t>23.07.2014</a:t>
             </a:fld>
             <a:endParaRPr lang="de-DE"/>
           </a:p>
@@ -3518,8 +3518,8 @@
         </p:nvSpPr>
         <p:spPr>
           <a:xfrm>
-            <a:off x="9385825" y="2973258"/>
-            <a:ext cx="11454547" cy="2369880"/>
+            <a:off x="10205761" y="2973258"/>
+            <a:ext cx="9814674" cy="2369880"/>
           </a:xfrm>
           <a:prstGeom prst="rect">
             <a:avLst/>
@@ -3550,7 +3550,11 @@
             <a:pPr algn="ctr"/>
             <a:r>
               <a:rPr lang="en-US" sz="6000" b="1" dirty="0" smtClean="0"/>
-              <a:t>Ubiquitous Computing Mini Project</a:t>
+              <a:t>Ubiquitous Computing </a:t>
+            </a:r>
+            <a:r>
+              <a:rPr lang="en-US" sz="6000" b="1" dirty="0" smtClean="0"/>
+              <a:t>Project</a:t>
             </a:r>
             <a:endParaRPr lang="de-DE" sz="6000" b="1" dirty="0"/>
           </a:p>
@@ -3695,10 +3699,10 @@
         </p:nvGrpSpPr>
         <p:grpSpPr>
           <a:xfrm>
-            <a:off x="1746500" y="9810974"/>
-            <a:ext cx="27289316" cy="3614921"/>
+            <a:off x="1746500" y="9810973"/>
+            <a:ext cx="27289316" cy="3614922"/>
             <a:chOff x="5550457" y="13628558"/>
-            <a:chExt cx="13287468" cy="8306627"/>
+            <a:chExt cx="13287468" cy="8306632"/>
           </a:xfrm>
         </p:grpSpPr>
         <p:grpSp>
@@ -3787,8 +3791,8 @@
           </p:nvSpPr>
           <p:spPr>
             <a:xfrm>
-              <a:off x="5550457" y="16772397"/>
-              <a:ext cx="13144592" cy="5162788"/>
+              <a:off x="5550457" y="16772400"/>
+              <a:ext cx="13144592" cy="5162790"/>
             </a:xfrm>
             <a:prstGeom prst="rect">
               <a:avLst/>
@@ -3802,24 +3806,46 @@
             <a:lstStyle/>
             <a:p>
               <a:r>
+                <a:rPr lang="en-US" sz="3500" dirty="0"/>
+                <a:t>The aim of this project is to build a heart rate monitor </a:t>
+              </a:r>
+              <a:r>
                 <a:rPr lang="en-US" sz="3500" dirty="0" smtClean="0"/>
-                <a:t>There are many heart rate monitor devices available, which can even be connected to a smartphone or computer via </a:t>
-              </a:r>
-              <a:r>
-                <a:rPr lang="en-US" sz="3500" dirty="0" err="1" smtClean="0"/>
-                <a:t>bluetooth</a:t>
+                <a:t>device. There </a:t>
+              </a:r>
+              <a:r>
+                <a:rPr lang="en-US" sz="3500" dirty="0"/>
+                <a:t>are already a lot of devices commercially available which measure the</a:t>
+              </a:r>
+            </a:p>
+            <a:p>
+              <a:r>
+                <a:rPr lang="en-US" sz="3500" dirty="0"/>
+                <a:t>heart rate. However, the internal functionality of these devices is not </a:t>
               </a:r>
               <a:r>
                 <a:rPr lang="en-US" sz="3500" dirty="0" smtClean="0"/>
-                <a:t>. However, the </a:t>
-              </a:r>
-              <a:r>
-                <a:rPr lang="en-US" sz="3500" b="1" dirty="0" smtClean="0"/>
-                <a:t>internal functionality of these devices is not exposed to the user</a:t>
+                <a:t>exposed to </a:t>
+              </a:r>
+              <a:r>
+                <a:rPr lang="en-US" sz="3500" dirty="0"/>
+                <a:t>the user, so there cannot be made any statements about their </a:t>
               </a:r>
               <a:r>
                 <a:rPr lang="en-US" sz="3500" dirty="0" smtClean="0"/>
-                <a:t>, so there cannot be made any statements about their precision and quality. The purpose of this project is to create a </a:t>
+                <a:t>precision and </a:t>
+              </a:r>
+              <a:r>
+                <a:rPr lang="en-US" sz="3500" dirty="0"/>
+                <a:t>the quality of the results</a:t>
+              </a:r>
+              <a:r>
+                <a:rPr lang="en-US" sz="3500" dirty="0" smtClean="0"/>
+                <a:t>. The </a:t>
+              </a:r>
+              <a:r>
+                <a:rPr lang="en-US" sz="3500" dirty="0"/>
+                <a:t>purpose of this project is to create a </a:t>
               </a:r>
               <a:r>
                 <a:rPr lang="en-US" sz="3500" b="1" dirty="0" smtClean="0"/>
@@ -3880,10 +3906,10 @@
         </p:nvGrpSpPr>
         <p:grpSpPr>
           <a:xfrm>
-            <a:off x="16580147" y="14923542"/>
-            <a:ext cx="12935716" cy="7385184"/>
+            <a:off x="16580147" y="14923543"/>
+            <a:ext cx="12935716" cy="7923790"/>
             <a:chOff x="5492915" y="14331900"/>
-            <a:chExt cx="13361848" cy="7771406"/>
+            <a:chExt cx="13361848" cy="8338178"/>
           </a:xfrm>
         </p:grpSpPr>
         <p:grpSp>
@@ -3923,28 +3949,12 @@
               <a:lstStyle/>
               <a:p>
                 <a:r>
-                  <a:rPr lang="de-DE" sz="4400" b="1" dirty="0" err="1" smtClean="0"/>
-                  <a:t>Measure</a:t>
-                </a:r>
-                <a:r>
                   <a:rPr lang="de-DE" sz="4400" b="1" dirty="0" smtClean="0"/>
-                  <a:t> </a:t>
+                  <a:t>Measurement </a:t>
                 </a:r>
                 <a:r>
                   <a:rPr lang="de-DE" sz="4400" b="1" dirty="0" err="1" smtClean="0"/>
-                  <a:t>the</a:t>
-                </a:r>
-                <a:r>
-                  <a:rPr lang="de-DE" sz="4400" b="1" dirty="0" smtClean="0"/>
-                  <a:t> </a:t>
-                </a:r>
-                <a:r>
-                  <a:rPr lang="de-DE" sz="4400" b="1" dirty="0" err="1" smtClean="0"/>
-                  <a:t>heart</a:t>
-                </a:r>
-                <a:r>
-                  <a:rPr lang="de-DE" sz="4400" b="1" dirty="0" smtClean="0"/>
-                  <a:t> rate</a:t>
+                  <a:t>principle</a:t>
                 </a:r>
                 <a:r>
                   <a:rPr lang="de-DE" dirty="0" smtClean="0"/>
@@ -3992,8 +4002,8 @@
           </p:nvSpPr>
           <p:spPr>
             <a:xfrm>
-              <a:off x="5492915" y="15771602"/>
-              <a:ext cx="13144592" cy="6331704"/>
+              <a:off x="5492915" y="15771599"/>
+              <a:ext cx="13144592" cy="6898479"/>
             </a:xfrm>
             <a:prstGeom prst="rect">
               <a:avLst/>
@@ -4156,6 +4166,22 @@
               </a:r>
               <a:r>
                 <a:rPr lang="de-DE" sz="3500" dirty="0" err="1" smtClean="0"/>
+                <a:t>or</a:t>
+              </a:r>
+              <a:r>
+                <a:rPr lang="de-DE" sz="3500" dirty="0" smtClean="0"/>
+                <a:t> </a:t>
+              </a:r>
+              <a:r>
+                <a:rPr lang="de-DE" sz="3500" dirty="0" err="1" smtClean="0"/>
+                <a:t>reflection</a:t>
+              </a:r>
+              <a:r>
+                <a:rPr lang="de-DE" sz="3500" dirty="0" smtClean="0"/>
+                <a:t> </a:t>
+              </a:r>
+              <a:r>
+                <a:rPr lang="de-DE" sz="3500" dirty="0" err="1" smtClean="0"/>
                 <a:t>of</a:t>
               </a:r>
               <a:r>
@@ -4296,7 +4322,7 @@
               </a:r>
               <a:r>
                 <a:rPr lang="de-DE" sz="3500" dirty="0" smtClean="0"/>
-                <a:t> light, </a:t>
+                <a:t> light </a:t>
               </a:r>
               <a:r>
                 <a:rPr lang="de-DE" sz="3500" dirty="0" err="1" smtClean="0"/>
@@ -4331,278 +4357,49 @@
                 <a:t>. </a:t>
               </a:r>
               <a:r>
-                <a:rPr lang="de-DE" sz="3500" dirty="0" err="1" smtClean="0"/>
-                <a:t>If</a:t>
-              </a:r>
-              <a:r>
-                <a:rPr lang="de-DE" sz="3500" dirty="0" smtClean="0"/>
-                <a:t> </a:t>
-              </a:r>
-              <a:r>
-                <a:rPr lang="de-DE" sz="3500" dirty="0" err="1" smtClean="0"/>
-                <a:t>the</a:t>
-              </a:r>
-              <a:r>
-                <a:rPr lang="de-DE" sz="3500" dirty="0" smtClean="0"/>
-                <a:t> </a:t>
-              </a:r>
-              <a:r>
-                <a:rPr lang="de-DE" sz="3500" dirty="0" err="1" smtClean="0"/>
-                <a:t>heart</a:t>
-              </a:r>
-              <a:r>
-                <a:rPr lang="de-DE" sz="3500" dirty="0" smtClean="0"/>
-                <a:t> </a:t>
-              </a:r>
-              <a:r>
-                <a:rPr lang="de-DE" sz="3500" dirty="0" err="1" smtClean="0"/>
-                <a:t>pushes</a:t>
-              </a:r>
-              <a:r>
-                <a:rPr lang="de-DE" sz="3500" dirty="0" smtClean="0"/>
-                <a:t> </a:t>
-              </a:r>
-              <a:r>
-                <a:rPr lang="de-DE" sz="3500" dirty="0" err="1" smtClean="0"/>
-                <a:t>blood</a:t>
-              </a:r>
-              <a:r>
-                <a:rPr lang="de-DE" sz="3500" dirty="0" smtClean="0"/>
-                <a:t> </a:t>
-              </a:r>
-              <a:r>
-                <a:rPr lang="de-DE" sz="3500" dirty="0" err="1" smtClean="0"/>
-                <a:t>through</a:t>
-              </a:r>
-              <a:r>
-                <a:rPr lang="de-DE" sz="3500" dirty="0" smtClean="0"/>
-                <a:t> </a:t>
-              </a:r>
-              <a:r>
-                <a:rPr lang="de-DE" sz="3500" dirty="0" err="1" smtClean="0"/>
-                <a:t>the</a:t>
-              </a:r>
-              <a:r>
-                <a:rPr lang="de-DE" sz="3500" dirty="0" smtClean="0"/>
-                <a:t> </a:t>
-              </a:r>
-              <a:r>
-                <a:rPr lang="de-DE" sz="3500" dirty="0" err="1" smtClean="0"/>
-                <a:t>vessels</a:t>
-              </a:r>
-              <a:r>
-                <a:rPr lang="de-DE" sz="3500" dirty="0" smtClean="0"/>
-                <a:t>, </a:t>
-              </a:r>
-              <a:r>
-                <a:rPr lang="de-DE" sz="3500" b="1" dirty="0" err="1" smtClean="0"/>
-                <a:t>more</a:t>
-              </a:r>
-              <a:r>
-                <a:rPr lang="de-DE" sz="3500" b="1" dirty="0" smtClean="0"/>
-                <a:t> </a:t>
-              </a:r>
-              <a:r>
-                <a:rPr lang="de-DE" sz="3500" b="1" dirty="0" err="1" smtClean="0"/>
-                <a:t>oxygenated</a:t>
-              </a:r>
-              <a:r>
-                <a:rPr lang="de-DE" sz="3500" b="1" dirty="0" smtClean="0"/>
-                <a:t> </a:t>
-              </a:r>
-              <a:r>
-                <a:rPr lang="de-DE" sz="3500" b="1" dirty="0" err="1" smtClean="0"/>
-                <a:t>blood</a:t>
-              </a:r>
-              <a:r>
-                <a:rPr lang="de-DE" sz="3500" b="1" dirty="0" smtClean="0"/>
-                <a:t> </a:t>
-              </a:r>
-              <a:r>
-                <a:rPr lang="de-DE" sz="3500" b="1" dirty="0" err="1" smtClean="0"/>
-                <a:t>flows</a:t>
-              </a:r>
-              <a:r>
-                <a:rPr lang="de-DE" sz="3500" b="1" dirty="0" smtClean="0"/>
-                <a:t> </a:t>
-              </a:r>
-              <a:r>
-                <a:rPr lang="de-DE" sz="3500" b="1" dirty="0" err="1" smtClean="0"/>
-                <a:t>between</a:t>
-              </a:r>
-              <a:r>
-                <a:rPr lang="de-DE" sz="3500" b="1" dirty="0" smtClean="0"/>
-                <a:t> </a:t>
-              </a:r>
-              <a:r>
-                <a:rPr lang="de-DE" sz="3500" b="1" dirty="0" smtClean="0"/>
-                <a:t>LED </a:t>
-              </a:r>
-              <a:r>
-                <a:rPr lang="de-DE" sz="3500" b="1" dirty="0" err="1" smtClean="0"/>
-                <a:t>and</a:t>
-              </a:r>
-              <a:r>
-                <a:rPr lang="de-DE" sz="3500" b="1" dirty="0" smtClean="0"/>
-                <a:t> </a:t>
-              </a:r>
-              <a:r>
-                <a:rPr lang="de-DE" sz="3500" b="1" dirty="0" err="1" smtClean="0"/>
-                <a:t>photodiode</a:t>
-              </a:r>
-              <a:r>
-                <a:rPr lang="de-DE" sz="3500" dirty="0" smtClean="0"/>
-                <a:t>. </a:t>
-              </a:r>
-              <a:r>
-                <a:rPr lang="de-DE" sz="3500" dirty="0" err="1" smtClean="0"/>
-                <a:t>Since</a:t>
-              </a:r>
-              <a:r>
-                <a:rPr lang="de-DE" sz="3500" dirty="0" smtClean="0"/>
-                <a:t> </a:t>
-              </a:r>
-              <a:r>
-                <a:rPr lang="de-DE" sz="3500" dirty="0" err="1" smtClean="0"/>
-                <a:t>blood</a:t>
-              </a:r>
-              <a:r>
-                <a:rPr lang="de-DE" sz="3500" dirty="0" smtClean="0"/>
-                <a:t> </a:t>
-              </a:r>
-              <a:r>
-                <a:rPr lang="de-DE" sz="3500" dirty="0" err="1" smtClean="0"/>
-                <a:t>changes</a:t>
-              </a:r>
-              <a:r>
-                <a:rPr lang="de-DE" sz="3500" dirty="0" smtClean="0"/>
-                <a:t> </a:t>
-              </a:r>
-              <a:r>
-                <a:rPr lang="de-DE" sz="3500" dirty="0" err="1" smtClean="0"/>
-                <a:t>its</a:t>
-              </a:r>
-              <a:r>
-                <a:rPr lang="de-DE" sz="3500" dirty="0" smtClean="0"/>
-                <a:t> </a:t>
-              </a:r>
-              <a:r>
-                <a:rPr lang="de-DE" sz="3500" dirty="0" err="1" smtClean="0"/>
-                <a:t>color</a:t>
-              </a:r>
-              <a:r>
-                <a:rPr lang="de-DE" sz="3500" dirty="0" smtClean="0"/>
-                <a:t> </a:t>
-              </a:r>
-              <a:r>
-                <a:rPr lang="de-DE" sz="3500" dirty="0" err="1" smtClean="0"/>
-                <a:t>according</a:t>
-              </a:r>
-              <a:r>
-                <a:rPr lang="de-DE" sz="3500" dirty="0" smtClean="0"/>
-                <a:t> </a:t>
-              </a:r>
-              <a:r>
-                <a:rPr lang="de-DE" sz="3500" dirty="0" err="1" smtClean="0"/>
-                <a:t>to</a:t>
-              </a:r>
-              <a:r>
-                <a:rPr lang="de-DE" sz="3500" dirty="0" smtClean="0"/>
-                <a:t> </a:t>
-              </a:r>
-              <a:r>
-                <a:rPr lang="de-DE" sz="3500" dirty="0" err="1" smtClean="0"/>
-                <a:t>its</a:t>
-              </a:r>
-              <a:r>
-                <a:rPr lang="de-DE" sz="3500" dirty="0" smtClean="0"/>
-                <a:t> grade </a:t>
-              </a:r>
-              <a:r>
-                <a:rPr lang="de-DE" sz="3500" dirty="0" err="1" smtClean="0"/>
-                <a:t>of</a:t>
-              </a:r>
-              <a:r>
-                <a:rPr lang="de-DE" sz="3500" dirty="0" smtClean="0"/>
-                <a:t> </a:t>
-              </a:r>
-              <a:r>
-                <a:rPr lang="de-DE" sz="3500" dirty="0" err="1" smtClean="0"/>
-                <a:t>oxygenation</a:t>
-              </a:r>
-              <a:r>
-                <a:rPr lang="de-DE" sz="3500" dirty="0" smtClean="0"/>
-                <a:t>, </a:t>
-              </a:r>
-              <a:r>
-                <a:rPr lang="de-DE" sz="3500" dirty="0" err="1" smtClean="0"/>
-                <a:t>more</a:t>
-              </a:r>
-              <a:r>
-                <a:rPr lang="de-DE" sz="3500" dirty="0" smtClean="0"/>
-                <a:t> </a:t>
-              </a:r>
-              <a:r>
-                <a:rPr lang="de-DE" sz="3500" dirty="0" err="1" smtClean="0"/>
-                <a:t>or</a:t>
-              </a:r>
-              <a:r>
-                <a:rPr lang="de-DE" sz="3500" dirty="0" smtClean="0"/>
-                <a:t> </a:t>
-              </a:r>
-              <a:r>
-                <a:rPr lang="de-DE" sz="3500" dirty="0" err="1" smtClean="0"/>
-                <a:t>less</a:t>
-              </a:r>
-              <a:r>
-                <a:rPr lang="de-DE" sz="3500" dirty="0" smtClean="0"/>
-                <a:t> light </a:t>
-              </a:r>
-              <a:r>
-                <a:rPr lang="de-DE" sz="3500" dirty="0" err="1" smtClean="0"/>
-                <a:t>gets</a:t>
-              </a:r>
-              <a:r>
-                <a:rPr lang="de-DE" sz="3500" dirty="0" smtClean="0"/>
-                <a:t> </a:t>
-              </a:r>
-              <a:r>
-                <a:rPr lang="de-DE" sz="3500" dirty="0" err="1" smtClean="0"/>
-                <a:t>absorbed</a:t>
-              </a:r>
-              <a:r>
-                <a:rPr lang="de-DE" sz="3500" dirty="0" smtClean="0"/>
-                <a:t> </a:t>
-              </a:r>
-              <a:r>
-                <a:rPr lang="de-DE" sz="3500" dirty="0" err="1" smtClean="0"/>
-                <a:t>by</a:t>
-              </a:r>
-              <a:r>
-                <a:rPr lang="de-DE" sz="3500" dirty="0" smtClean="0"/>
-                <a:t> it.</a:t>
+                <a:rPr lang="en-US" sz="3500" dirty="0"/>
+                <a:t>Since blood changes its volume depending if blood flows </a:t>
+              </a:r>
+              <a:r>
+                <a:rPr lang="en-US" sz="3500" dirty="0" smtClean="0"/>
+                <a:t>from or to the </a:t>
+              </a:r>
+              <a:r>
+                <a:rPr lang="en-US" sz="3500" dirty="0"/>
+                <a:t>heart, more or less light of the LED gets absorbed by it. As </a:t>
+              </a:r>
+              <a:r>
+                <a:rPr lang="en-US" sz="3500" dirty="0" smtClean="0"/>
+                <a:t>a result </a:t>
+              </a:r>
+              <a:r>
+                <a:rPr lang="en-US" sz="3500" dirty="0"/>
+                <a:t>the registered intensity of light </a:t>
+              </a:r>
+              <a:r>
+                <a:rPr lang="en-US" sz="3500" dirty="0" smtClean="0"/>
+                <a:t>by the light sensor changes </a:t>
+              </a:r>
+              <a:r>
+                <a:rPr lang="en-US" sz="3500" dirty="0"/>
+                <a:t>continuously with </a:t>
+              </a:r>
+              <a:r>
+                <a:rPr lang="en-US" sz="3500" dirty="0" smtClean="0"/>
+                <a:t>the pulse</a:t>
+              </a:r>
+              <a:r>
+                <a:rPr lang="en-US" sz="3500" dirty="0"/>
+                <a:t>.</a:t>
               </a:r>
             </a:p>
             <a:p>
+              <a:endParaRPr lang="de-DE" sz="3500" dirty="0" smtClean="0"/>
+            </a:p>
+            <a:p>
               <a:r>
                 <a:rPr lang="de-DE" sz="3500" dirty="0" smtClean="0"/>
-                <a:t>The </a:t>
-              </a:r>
-              <a:r>
-                <a:rPr lang="de-DE" sz="3500" dirty="0" err="1" smtClean="0"/>
-                <a:t>values</a:t>
-              </a:r>
-              <a:r>
-                <a:rPr lang="de-DE" sz="3500" dirty="0" smtClean="0"/>
-                <a:t> </a:t>
-              </a:r>
-              <a:r>
-                <a:rPr lang="de-DE" sz="3500" dirty="0" err="1" smtClean="0"/>
-                <a:t>of</a:t>
-              </a:r>
-              <a:r>
-                <a:rPr lang="de-DE" sz="3500" dirty="0" smtClean="0"/>
-                <a:t> light </a:t>
+                <a:t>The light </a:t>
               </a:r>
               <a:r>
                 <a:rPr lang="de-DE" sz="3500" dirty="0" err="1" smtClean="0"/>
@@ -4722,9 +4519,9 @@
         <p:grpSpPr>
           <a:xfrm>
             <a:off x="1495329" y="24404658"/>
-            <a:ext cx="15156826" cy="7558075"/>
+            <a:ext cx="15156826" cy="8758404"/>
             <a:chOff x="5567295" y="14331901"/>
-            <a:chExt cx="13287468" cy="7953341"/>
+            <a:chExt cx="13287468" cy="9216444"/>
           </a:xfrm>
         </p:grpSpPr>
         <p:grpSp>
@@ -4765,7 +4562,15 @@
               <a:p>
                 <a:r>
                   <a:rPr lang="de-DE" dirty="0" smtClean="0"/>
-                  <a:t>Prototype Features</a:t>
+                  <a:t>Prototype </a:t>
+                </a:r>
+                <a:r>
+                  <a:rPr lang="de-DE" dirty="0" err="1" smtClean="0"/>
+                  <a:t>features</a:t>
+                </a:r>
+                <a:r>
+                  <a:rPr lang="de-DE" dirty="0" smtClean="0"/>
+                  <a:t/>
                 </a:r>
                 <a:br>
                   <a:rPr lang="de-DE" dirty="0" smtClean="0"/>
@@ -4810,7 +4615,7 @@
           <p:spPr>
             <a:xfrm>
               <a:off x="5600479" y="15872568"/>
-              <a:ext cx="13144592" cy="6412674"/>
+              <a:ext cx="13144592" cy="7675777"/>
             </a:xfrm>
             <a:prstGeom prst="rect">
               <a:avLst/>
@@ -4833,7 +4638,7 @@
               </a:r>
               <a:r>
                 <a:rPr lang="de-DE" sz="3900" dirty="0" err="1" smtClean="0"/>
-                <a:t>ATMega</a:t>
+                <a:t>Detects</a:t>
               </a:r>
               <a:r>
                 <a:rPr lang="de-DE" sz="3900" dirty="0" smtClean="0"/>
@@ -4841,23 +4646,141 @@
               </a:r>
               <a:r>
                 <a:rPr lang="de-DE" sz="3900" dirty="0" err="1" smtClean="0"/>
-                <a:t>for</a:t>
+                <a:t>heart</a:t>
               </a:r>
               <a:r>
                 <a:rPr lang="de-DE" sz="3900" dirty="0" smtClean="0"/>
-                <a:t> </a:t>
+                <a:t> rate </a:t>
               </a:r>
               <a:r>
                 <a:rPr lang="de-DE" sz="3900" dirty="0" err="1" smtClean="0"/>
-                <a:t>measuring</a:t>
+                <a:t>with</a:t>
               </a:r>
               <a:r>
                 <a:rPr lang="de-DE" sz="3900" dirty="0" smtClean="0"/>
-                <a:t> light </a:t>
+                <a:t> </a:t>
+              </a:r>
+              <a:r>
+                <a:rPr lang="de-DE" sz="3900" b="1" dirty="0" smtClean="0"/>
+                <a:t>high</a:t>
+              </a:r>
+              <a:r>
+                <a:rPr lang="de-DE" sz="3900" dirty="0" smtClean="0"/>
+                <a:t> </a:t>
+              </a:r>
+              <a:r>
+                <a:rPr lang="de-DE" sz="3900" b="1" dirty="0" err="1" smtClean="0"/>
+                <a:t>quality</a:t>
+              </a:r>
+              <a:r>
+                <a:rPr lang="de-DE" sz="3900" b="1" dirty="0" smtClean="0"/>
+                <a:t> </a:t>
+              </a:r>
+              <a:r>
+                <a:rPr lang="de-DE" sz="3900" b="1" dirty="0" err="1"/>
+                <a:t>and</a:t>
+              </a:r>
+              <a:r>
+                <a:rPr lang="de-DE" sz="3900" b="1" dirty="0"/>
+                <a:t> </a:t>
+              </a:r>
+              <a:r>
+                <a:rPr lang="de-DE" sz="3900" b="1" dirty="0" err="1" smtClean="0"/>
+                <a:t>precision</a:t>
+              </a:r>
+              <a:endParaRPr lang="de-DE" sz="3900" dirty="0" smtClean="0"/>
+            </a:p>
+            <a:p>
+              <a:pPr>
+                <a:buFont typeface="Wingdings" pitchFamily="2" charset="2"/>
+                <a:buChar char="§"/>
+              </a:pPr>
+              <a:endParaRPr lang="de-DE" sz="3900" dirty="0"/>
+            </a:p>
+            <a:p>
+              <a:pPr>
+                <a:buFont typeface="Wingdings" pitchFamily="2" charset="2"/>
+                <a:buChar char="§"/>
+              </a:pPr>
+              <a:r>
+                <a:rPr lang="de-DE" sz="3900" dirty="0" smtClean="0"/>
+                <a:t> </a:t>
               </a:r>
               <a:r>
                 <a:rPr lang="de-DE" sz="3900" dirty="0" err="1" smtClean="0"/>
-                <a:t>intensity</a:t>
+                <a:t>Only</a:t>
+              </a:r>
+              <a:r>
+                <a:rPr lang="de-DE" sz="3900" dirty="0" smtClean="0"/>
+                <a:t> </a:t>
+              </a:r>
+              <a:r>
+                <a:rPr lang="de-DE" sz="3900" dirty="0" err="1" smtClean="0"/>
+                <a:t>less</a:t>
+              </a:r>
+              <a:r>
+                <a:rPr lang="de-DE" sz="3900" dirty="0" smtClean="0"/>
+                <a:t> </a:t>
+              </a:r>
+              <a:r>
+                <a:rPr lang="de-DE" sz="3900" dirty="0" err="1" smtClean="0"/>
+                <a:t>and</a:t>
+              </a:r>
+              <a:r>
+                <a:rPr lang="de-DE" sz="3900" dirty="0" smtClean="0"/>
+                <a:t> </a:t>
+              </a:r>
+              <a:r>
+                <a:rPr lang="de-DE" sz="3900" dirty="0" err="1" smtClean="0"/>
+                <a:t>cheap</a:t>
+              </a:r>
+              <a:r>
+                <a:rPr lang="de-DE" sz="3900" dirty="0" smtClean="0"/>
+                <a:t> </a:t>
+              </a:r>
+              <a:r>
+                <a:rPr lang="de-DE" sz="3900" dirty="0" err="1" smtClean="0"/>
+                <a:t>hardware</a:t>
+              </a:r>
+              <a:r>
+                <a:rPr lang="de-DE" sz="3900" dirty="0" smtClean="0"/>
+                <a:t> </a:t>
+              </a:r>
+              <a:r>
+                <a:rPr lang="de-DE" sz="3900" dirty="0" err="1" smtClean="0"/>
+                <a:t>is</a:t>
+              </a:r>
+              <a:r>
+                <a:rPr lang="de-DE" sz="3900" dirty="0" smtClean="0"/>
+                <a:t> </a:t>
+              </a:r>
+              <a:r>
+                <a:rPr lang="de-DE" sz="3900" dirty="0" err="1" smtClean="0"/>
+                <a:t>required</a:t>
+              </a:r>
+              <a:r>
+                <a:rPr lang="de-DE" sz="3900" dirty="0" smtClean="0"/>
+                <a:t> (</a:t>
+              </a:r>
+              <a:r>
+                <a:rPr lang="de-DE" sz="3900" dirty="0" err="1"/>
+                <a:t>m</a:t>
+              </a:r>
+              <a:r>
+                <a:rPr lang="de-DE" sz="3900" dirty="0" err="1" smtClean="0"/>
+                <a:t>icrocontroller</a:t>
+              </a:r>
+              <a:r>
+                <a:rPr lang="de-DE" sz="3900" dirty="0" smtClean="0"/>
+                <a:t>, light </a:t>
+              </a:r>
+              <a:r>
+                <a:rPr lang="de-DE" sz="3900" dirty="0" err="1" smtClean="0"/>
+                <a:t>sensor</a:t>
+              </a:r>
+              <a:r>
+                <a:rPr lang="de-DE" sz="3900" dirty="0" smtClean="0"/>
+                <a:t>)</a:t>
               </a:r>
               <a:endParaRPr lang="de-DE" sz="3900" dirty="0" smtClean="0"/>
             </a:p>
@@ -4878,11 +4801,11 @@
                 <a:t> </a:t>
               </a:r>
               <a:r>
-                <a:rPr lang="de-DE" sz="3900" b="1" dirty="0" smtClean="0"/>
-                <a:t>Highspeed </a:t>
-              </a:r>
-              <a:r>
-                <a:rPr lang="de-DE" sz="3900" b="1" dirty="0" err="1" smtClean="0"/>
+                <a:rPr lang="de-DE" sz="3900" dirty="0" smtClean="0"/>
+                <a:t>Heart rate </a:t>
+              </a:r>
+              <a:r>
+                <a:rPr lang="de-DE" sz="3900" dirty="0" err="1" smtClean="0"/>
                 <a:t>calculation</a:t>
               </a:r>
               <a:r>
@@ -4909,34 +4832,7 @@
                 <a:rPr lang="de-DE" sz="3900" dirty="0" err="1" smtClean="0"/>
                 <a:t>pc</a:t>
               </a:r>
-              <a:r>
-                <a:rPr lang="de-DE" sz="3900" dirty="0" smtClean="0"/>
-                <a:t> (</a:t>
-              </a:r>
-              <a:r>
-                <a:rPr lang="de-DE" sz="3900" dirty="0" err="1" smtClean="0"/>
-                <a:t>leads</a:t>
-              </a:r>
-              <a:r>
-                <a:rPr lang="de-DE" sz="3900" dirty="0" smtClean="0"/>
-                <a:t> </a:t>
-              </a:r>
-              <a:r>
-                <a:rPr lang="de-DE" sz="3900" dirty="0" err="1" smtClean="0"/>
-                <a:t>to</a:t>
-              </a:r>
-              <a:r>
-                <a:rPr lang="de-DE" sz="3900" dirty="0" smtClean="0"/>
-                <a:t> high </a:t>
-              </a:r>
-              <a:r>
-                <a:rPr lang="de-DE" sz="3900" dirty="0" err="1" smtClean="0"/>
-                <a:t>resolution</a:t>
-              </a:r>
-              <a:r>
-                <a:rPr lang="de-DE" sz="3900" dirty="0" smtClean="0"/>
-                <a:t>)</a:t>
-              </a:r>
+              <a:endParaRPr lang="de-DE" sz="3900" dirty="0" smtClean="0"/>
             </a:p>
             <a:p>
               <a:pPr>
@@ -4952,14 +4848,18 @@
               </a:pPr>
               <a:r>
                 <a:rPr lang="de-DE" sz="3900" dirty="0" smtClean="0"/>
-                <a:t> Signal </a:t>
-              </a:r>
-              <a:r>
-                <a:rPr lang="de-DE" sz="3900" dirty="0" err="1" smtClean="0"/>
+                <a:t> </a:t>
+              </a:r>
+              <a:r>
+                <a:rPr lang="de-DE" sz="3900" b="1" dirty="0" smtClean="0"/>
+                <a:t>Signal </a:t>
+              </a:r>
+              <a:r>
+                <a:rPr lang="de-DE" sz="3900" b="1" dirty="0" err="1" smtClean="0"/>
                 <a:t>processing</a:t>
               </a:r>
               <a:r>
-                <a:rPr lang="de-DE" sz="3900" dirty="0" smtClean="0"/>
+                <a:rPr lang="de-DE" sz="3900" b="1" dirty="0" smtClean="0"/>
                 <a:t> </a:t>
               </a:r>
               <a:r>
@@ -4976,7 +4876,19 @@
               </a:r>
               <a:r>
                 <a:rPr lang="de-DE" sz="3900" dirty="0" smtClean="0"/>
-                <a:t> Fourier Transformation (</a:t>
+                <a:t> </a:t>
+              </a:r>
+              <a:r>
+                <a:rPr lang="de-DE" sz="3900" dirty="0" err="1" smtClean="0"/>
+                <a:t>discrete</a:t>
+              </a:r>
+              <a:r>
+                <a:rPr lang="de-DE" sz="3900" dirty="0" smtClean="0"/>
+                <a:t> Fourier Transform </a:t>
+              </a:r>
+              <a:r>
+                <a:rPr lang="de-DE" sz="3900" dirty="0" smtClean="0"/>
+                <a:t>(</a:t>
               </a:r>
               <a:r>
                 <a:rPr lang="de-DE" sz="3900" dirty="0" err="1" smtClean="0"/>
@@ -5008,7 +4920,11 @@
               </a:r>
               <a:r>
                 <a:rPr lang="de-DE" sz="3900" dirty="0" smtClean="0"/>
-                <a:t>, …)</a:t>
+                <a:t>, </a:t>
+              </a:r>
+              <a:r>
+                <a:rPr lang="de-DE" sz="3900" dirty="0" smtClean="0"/>
+                <a:t>…)</a:t>
               </a:r>
             </a:p>
             <a:p>
@@ -5024,44 +4940,20 @@
                 <a:buChar char="§"/>
               </a:pPr>
               <a:r>
+                <a:rPr lang="de-DE" sz="3900" dirty="0"/>
+                <a:t> </a:t>
+              </a:r>
+              <a:r>
+                <a:rPr lang="de-DE" sz="3900" dirty="0" err="1" smtClean="0"/>
+                <a:t>Only</a:t>
+              </a:r>
+              <a:r>
                 <a:rPr lang="de-DE" sz="3900" dirty="0" smtClean="0"/>
                 <a:t> </a:t>
               </a:r>
               <a:r>
-                <a:rPr lang="de-DE" sz="3900" b="1" dirty="0"/>
-                <a:t>H</a:t>
-              </a:r>
-              <a:r>
-                <a:rPr lang="de-DE" sz="3900" b="1" dirty="0" smtClean="0"/>
-                <a:t>igh </a:t>
-              </a:r>
-              <a:r>
-                <a:rPr lang="de-DE" sz="3900" b="1" dirty="0" err="1" smtClean="0"/>
-                <a:t>quality</a:t>
-              </a:r>
-              <a:r>
-                <a:rPr lang="de-DE" sz="3900" b="1" dirty="0" smtClean="0"/>
-                <a:t> </a:t>
-              </a:r>
-              <a:r>
-                <a:rPr lang="de-DE" sz="3900" b="1" dirty="0" err="1" smtClean="0"/>
-                <a:t>and</a:t>
-              </a:r>
-              <a:r>
-                <a:rPr lang="de-DE" sz="3900" b="1" dirty="0" smtClean="0"/>
-                <a:t> high </a:t>
-              </a:r>
-              <a:r>
-                <a:rPr lang="de-DE" sz="3900" b="1" dirty="0" err="1" smtClean="0"/>
-                <a:t>precision</a:t>
-              </a:r>
-              <a:r>
-                <a:rPr lang="de-DE" sz="3900" b="1" dirty="0" smtClean="0"/>
-                <a:t> </a:t>
-              </a:r>
-              <a:r>
                 <a:rPr lang="de-DE" sz="3900" dirty="0" err="1" smtClean="0"/>
-                <a:t>heart</a:t>
+                <a:t>free</a:t>
               </a:r>
               <a:r>
                 <a:rPr lang="de-DE" sz="3900" dirty="0" smtClean="0"/>
@@ -5069,15 +4961,27 @@
               </a:r>
               <a:r>
                 <a:rPr lang="de-DE" sz="3900" dirty="0" err="1" smtClean="0"/>
-                <a:t>rates</a:t>
+                <a:t>software</a:t>
+              </a:r>
+              <a:r>
+                <a:rPr lang="de-DE" sz="3900" dirty="0" smtClean="0"/>
+                <a:t> </a:t>
+              </a:r>
+              <a:r>
+                <a:rPr lang="de-DE" sz="3900" dirty="0" err="1" smtClean="0"/>
+                <a:t>is</a:t>
+              </a:r>
+              <a:r>
+                <a:rPr lang="de-DE" sz="3900" dirty="0" smtClean="0"/>
+                <a:t> </a:t>
+              </a:r>
+              <a:r>
+                <a:rPr lang="de-DE" sz="3900" dirty="0" err="1" smtClean="0"/>
+                <a:t>used</a:t>
               </a:r>
               <a:endParaRPr lang="de-DE" sz="3900" dirty="0" smtClean="0"/>
             </a:p>
             <a:p>
-              <a:pPr>
-                <a:buFont typeface="Wingdings" pitchFamily="2" charset="2"/>
-                <a:buChar char="§"/>
-              </a:pPr>
               <a:endParaRPr lang="de-DE" sz="3900" dirty="0"/>
             </a:p>
             <a:p>
@@ -5247,7 +5151,7 @@
         </p:nvGrpSpPr>
         <p:grpSpPr>
           <a:xfrm>
-            <a:off x="1818507" y="33069558"/>
+            <a:off x="1818507" y="33573614"/>
             <a:ext cx="13913573" cy="2304255"/>
             <a:chOff x="251520" y="1985525"/>
             <a:chExt cx="8712968" cy="939419"/>
